--- a/tests/testfiles/黄色小清新文艺工作总结ppt模板.pptx
+++ b/tests/testfiles/黄色小清新文艺工作总结ppt模板.pptx
@@ -139,6 +139,9 @@
           </p15:clr>
         </p15:guide>
       </p15:sldGuideLst>
+    </p:ext>
+    <p:ext uri="{2D200454-40CA-4A62-9FC3-DE9A4176ACB9}">
+      <p15:notesGuideLst xmlns:p15="http://schemas.microsoft.com/office/powerpoint/2012/main"/>
     </p:ext>
   </p:extLst>
 </p:presentation>
@@ -739,7 +742,7 @@
 
 <file path=ppt/slideLayouts/slideLayout1.xml><?xml version="1.0" encoding="utf-8"?>
 <p:sldLayout xmlns:a="http://schemas.openxmlformats.org/drawingml/2006/main" xmlns:r="http://schemas.openxmlformats.org/officeDocument/2006/relationships" xmlns:p="http://schemas.openxmlformats.org/presentationml/2006/main" type="title" preserve="1">
-  <p:cSld name="标题幻灯片">
+  <p:cSld name="章节页">
     <p:spTree>
       <p:nvGrpSpPr>
         <p:cNvPr id="1" name=""/>
@@ -754,6 +757,60 @@
           <a:chExt cx="0" cy="0"/>
         </a:xfrm>
       </p:grpSpPr>
+      <p:sp>
+        <p:nvSpPr>
+          <p:cNvPr id="11" name="矩形 10">
+            <a:extLst>
+              <a:ext uri="{FF2B5EF4-FFF2-40B4-BE49-F238E27FC236}">
+                <a16:creationId xmlns:a16="http://schemas.microsoft.com/office/drawing/2014/main" id="{5DA1D541-ABEB-2423-B071-C70022206996}"/>
+              </a:ext>
+            </a:extLst>
+          </p:cNvPr>
+          <p:cNvSpPr/>
+          <p:nvPr userDrawn="1"/>
+        </p:nvSpPr>
+        <p:spPr>
+          <a:xfrm>
+            <a:off x="1270" y="-14605"/>
+            <a:ext cx="12209145" cy="6875145"/>
+          </a:xfrm>
+          <a:prstGeom prst="rect">
+            <a:avLst/>
+          </a:prstGeom>
+          <a:solidFill>
+            <a:srgbClr val="FFF7EB">
+              <a:alpha val="65000"/>
+            </a:srgbClr>
+          </a:solidFill>
+          <a:ln>
+            <a:noFill/>
+          </a:ln>
+        </p:spPr>
+        <p:style>
+          <a:lnRef idx="2">
+            <a:schemeClr val="accent1">
+              <a:shade val="50000"/>
+            </a:schemeClr>
+          </a:lnRef>
+          <a:fillRef idx="1">
+            <a:schemeClr val="accent1"/>
+          </a:fillRef>
+          <a:effectRef idx="0">
+            <a:schemeClr val="accent1"/>
+          </a:effectRef>
+          <a:fontRef idx="minor">
+            <a:schemeClr val="lt1"/>
+          </a:fontRef>
+        </p:style>
+        <p:txBody>
+          <a:bodyPr rtlCol="0" anchor="ctr"/>
+          <a:lstStyle/>
+          <a:p>
+            <a:pPr algn="ctr"/>
+            <a:endParaRPr lang="zh-CN" altLang="en-US"/>
+          </a:p>
+        </p:txBody>
+      </p:sp>
       <p:sp>
         <p:nvSpPr>
           <p:cNvPr id="2" name="标题 1"/>
@@ -939,60 +996,6 @@
           </a:p>
         </p:txBody>
       </p:sp>
-      <p:sp>
-        <p:nvSpPr>
-          <p:cNvPr id="7" name="矩形 6">
-            <a:extLst>
-              <a:ext uri="{FF2B5EF4-FFF2-40B4-BE49-F238E27FC236}">
-                <a16:creationId xmlns:a16="http://schemas.microsoft.com/office/drawing/2014/main" id="{24EC1615-1CBA-225E-18C9-D3B225DD32E4}"/>
-              </a:ext>
-            </a:extLst>
-          </p:cNvPr>
-          <p:cNvSpPr/>
-          <p:nvPr userDrawn="1"/>
-        </p:nvSpPr>
-        <p:spPr>
-          <a:xfrm>
-            <a:off x="1905" y="-14605"/>
-            <a:ext cx="12209145" cy="6875145"/>
-          </a:xfrm>
-          <a:prstGeom prst="rect">
-            <a:avLst/>
-          </a:prstGeom>
-          <a:solidFill>
-            <a:srgbClr val="FFF7EB">
-              <a:alpha val="65000"/>
-            </a:srgbClr>
-          </a:solidFill>
-          <a:ln>
-            <a:noFill/>
-          </a:ln>
-        </p:spPr>
-        <p:style>
-          <a:lnRef idx="2">
-            <a:schemeClr val="accent1">
-              <a:shade val="50000"/>
-            </a:schemeClr>
-          </a:lnRef>
-          <a:fillRef idx="1">
-            <a:schemeClr val="accent1"/>
-          </a:fillRef>
-          <a:effectRef idx="0">
-            <a:schemeClr val="accent1"/>
-          </a:effectRef>
-          <a:fontRef idx="minor">
-            <a:schemeClr val="lt1"/>
-          </a:fontRef>
-        </p:style>
-        <p:txBody>
-          <a:bodyPr rtlCol="0" anchor="ctr"/>
-          <a:lstStyle/>
-          <a:p>
-            <a:pPr algn="ctr"/>
-            <a:endParaRPr lang="zh-CN" altLang="en-US"/>
-          </a:p>
-        </p:txBody>
-      </p:sp>
       <p:pic>
         <p:nvPicPr>
           <p:cNvPr id="8" name="图片 7" descr="未命名作品-4">
@@ -1059,60 +1062,6 @@
           </a:prstGeom>
         </p:spPr>
       </p:pic>
-      <p:sp>
-        <p:nvSpPr>
-          <p:cNvPr id="10" name="矩形 9">
-            <a:extLst>
-              <a:ext uri="{FF2B5EF4-FFF2-40B4-BE49-F238E27FC236}">
-                <a16:creationId xmlns:a16="http://schemas.microsoft.com/office/drawing/2014/main" id="{9CBF00E5-F52A-813A-C282-43B792868709}"/>
-              </a:ext>
-            </a:extLst>
-          </p:cNvPr>
-          <p:cNvSpPr/>
-          <p:nvPr userDrawn="1"/>
-        </p:nvSpPr>
-        <p:spPr>
-          <a:xfrm>
-            <a:off x="0" y="-6985"/>
-            <a:ext cx="12209145" cy="6875145"/>
-          </a:xfrm>
-          <a:prstGeom prst="rect">
-            <a:avLst/>
-          </a:prstGeom>
-          <a:solidFill>
-            <a:srgbClr val="FFF7EB">
-              <a:alpha val="65000"/>
-            </a:srgbClr>
-          </a:solidFill>
-          <a:ln>
-            <a:noFill/>
-          </a:ln>
-        </p:spPr>
-        <p:style>
-          <a:lnRef idx="2">
-            <a:schemeClr val="accent1">
-              <a:shade val="50000"/>
-            </a:schemeClr>
-          </a:lnRef>
-          <a:fillRef idx="1">
-            <a:schemeClr val="accent1"/>
-          </a:fillRef>
-          <a:effectRef idx="0">
-            <a:schemeClr val="accent1"/>
-          </a:effectRef>
-          <a:fontRef idx="minor">
-            <a:schemeClr val="lt1"/>
-          </a:fontRef>
-        </p:style>
-        <p:txBody>
-          <a:bodyPr rtlCol="0" anchor="ctr"/>
-          <a:lstStyle/>
-          <a:p>
-            <a:pPr algn="ctr"/>
-            <a:endParaRPr lang="zh-CN" altLang="en-US"/>
-          </a:p>
-        </p:txBody>
-      </p:sp>
       <p:pic>
         <p:nvPicPr>
           <p:cNvPr id="15" name="图片 14" descr="未命名作品-4">
@@ -1136,7 +1085,7 @@
         </p:blipFill>
         <p:spPr>
           <a:xfrm>
-            <a:off x="6203315" y="4363085"/>
+            <a:off x="6096000" y="4386310"/>
             <a:ext cx="3213735" cy="2497455"/>
           </a:xfrm>
           <a:prstGeom prst="rect">
@@ -1379,12 +1328,409 @@
           <a:chExt cx="0" cy="0"/>
         </a:xfrm>
       </p:grpSpPr>
+      <p:pic>
+        <p:nvPicPr>
+          <p:cNvPr id="16" name="图片 15" descr="未命名作品-4">
+            <a:extLst>
+              <a:ext uri="{FF2B5EF4-FFF2-40B4-BE49-F238E27FC236}">
+                <a16:creationId xmlns:a16="http://schemas.microsoft.com/office/drawing/2014/main" id="{8CA61299-B04F-DCF2-AEE3-233354D3D9FD}"/>
+              </a:ext>
+            </a:extLst>
+          </p:cNvPr>
+          <p:cNvPicPr>
+            <a:picLocks noChangeAspect="1"/>
+          </p:cNvPicPr>
+          <p:nvPr userDrawn="1"/>
+        </p:nvPicPr>
+        <p:blipFill>
+          <a:blip r:embed="rId2">
+            <a:alphaModFix amt="93000"/>
+          </a:blip>
+          <a:srcRect b="67343"/>
+          <a:stretch>
+            <a:fillRect/>
+          </a:stretch>
+        </p:blipFill>
+        <p:spPr>
+          <a:xfrm>
+            <a:off x="635" y="-14605"/>
+            <a:ext cx="9786620" cy="1985645"/>
+          </a:xfrm>
+          <a:prstGeom prst="rect">
+            <a:avLst/>
+          </a:prstGeom>
+        </p:spPr>
+      </p:pic>
+      <p:pic>
+        <p:nvPicPr>
+          <p:cNvPr id="20" name="图片 19" descr="未命名作品-4">
+            <a:extLst>
+              <a:ext uri="{FF2B5EF4-FFF2-40B4-BE49-F238E27FC236}">
+                <a16:creationId xmlns:a16="http://schemas.microsoft.com/office/drawing/2014/main" id="{7154449A-3BEF-5B89-75A6-4ED39D7298F2}"/>
+              </a:ext>
+            </a:extLst>
+          </p:cNvPr>
+          <p:cNvPicPr>
+            <a:picLocks noChangeAspect="1"/>
+          </p:cNvPicPr>
+          <p:nvPr userDrawn="1"/>
+        </p:nvPicPr>
+        <p:blipFill>
+          <a:blip r:embed="rId3"/>
+          <a:srcRect t="21912" r="39675"/>
+          <a:stretch>
+            <a:fillRect/>
+          </a:stretch>
+        </p:blipFill>
+        <p:spPr>
+          <a:xfrm flipV="1">
+            <a:off x="0" y="-6985"/>
+            <a:ext cx="3605530" cy="3112135"/>
+          </a:xfrm>
+          <a:prstGeom prst="rect">
+            <a:avLst/>
+          </a:prstGeom>
+        </p:spPr>
+      </p:pic>
       <p:sp>
         <p:nvSpPr>
-          <p:cNvPr id="22" name="矩形 21">
+          <p:cNvPr id="11" name="日期占位符 3">
             <a:extLst>
               <a:ext uri="{FF2B5EF4-FFF2-40B4-BE49-F238E27FC236}">
-                <a16:creationId xmlns:a16="http://schemas.microsoft.com/office/drawing/2014/main" id="{F11641D7-1D86-F714-843C-0B499C1BC8E2}"/>
+                <a16:creationId xmlns:a16="http://schemas.microsoft.com/office/drawing/2014/main" id="{E916F083-F8C7-E121-9F41-4A653523A674}"/>
+              </a:ext>
+            </a:extLst>
+          </p:cNvPr>
+          <p:cNvSpPr>
+            <a:spLocks noGrp="1"/>
+          </p:cNvSpPr>
+          <p:nvPr>
+            <p:ph type="dt" sz="half" idx="10"/>
+          </p:nvPr>
+        </p:nvSpPr>
+        <p:spPr>
+          <a:xfrm>
+            <a:off x="838200" y="6356350"/>
+            <a:ext cx="2743200" cy="365125"/>
+          </a:xfrm>
+        </p:spPr>
+        <p:txBody>
+          <a:bodyPr/>
+          <a:lstStyle/>
+          <a:p>
+            <a:fld id="{760FBDFE-C587-4B4C-A407-44438C67B59E}" type="datetimeFigureOut">
+              <a:rPr lang="zh-CN" altLang="en-US" smtClean="0"/>
+              <a:t>2025/5/16</a:t>
+            </a:fld>
+            <a:endParaRPr lang="zh-CN" altLang="en-US"/>
+          </a:p>
+        </p:txBody>
+      </p:sp>
+      <p:sp>
+        <p:nvSpPr>
+          <p:cNvPr id="12" name="页脚占位符 4">
+            <a:extLst>
+              <a:ext uri="{FF2B5EF4-FFF2-40B4-BE49-F238E27FC236}">
+                <a16:creationId xmlns:a16="http://schemas.microsoft.com/office/drawing/2014/main" id="{8F413E44-DA95-99BD-BEFD-30F5A2EEE66E}"/>
+              </a:ext>
+            </a:extLst>
+          </p:cNvPr>
+          <p:cNvSpPr>
+            <a:spLocks noGrp="1"/>
+          </p:cNvSpPr>
+          <p:nvPr>
+            <p:ph type="ftr" sz="quarter" idx="11"/>
+          </p:nvPr>
+        </p:nvSpPr>
+        <p:spPr>
+          <a:xfrm>
+            <a:off x="4038600" y="6356350"/>
+            <a:ext cx="4114800" cy="365125"/>
+          </a:xfrm>
+        </p:spPr>
+        <p:txBody>
+          <a:bodyPr/>
+          <a:lstStyle/>
+          <a:p>
+            <a:endParaRPr lang="zh-CN" altLang="en-US"/>
+          </a:p>
+        </p:txBody>
+      </p:sp>
+      <p:sp>
+        <p:nvSpPr>
+          <p:cNvPr id="13" name="灯片编号占位符 5">
+            <a:extLst>
+              <a:ext uri="{FF2B5EF4-FFF2-40B4-BE49-F238E27FC236}">
+                <a16:creationId xmlns:a16="http://schemas.microsoft.com/office/drawing/2014/main" id="{5A27B758-EA76-5719-5958-C94E6D21C5FB}"/>
+              </a:ext>
+            </a:extLst>
+          </p:cNvPr>
+          <p:cNvSpPr>
+            <a:spLocks noGrp="1"/>
+          </p:cNvSpPr>
+          <p:nvPr>
+            <p:ph type="sldNum" sz="quarter" idx="12"/>
+          </p:nvPr>
+        </p:nvSpPr>
+        <p:spPr>
+          <a:xfrm>
+            <a:off x="8610600" y="6356350"/>
+            <a:ext cx="2743200" cy="365125"/>
+          </a:xfrm>
+        </p:spPr>
+        <p:txBody>
+          <a:bodyPr/>
+          <a:lstStyle/>
+          <a:p>
+            <a:fld id="{49AE70B2-8BF9-45C0-BB95-33D1B9D3A854}" type="slidenum">
+              <a:rPr lang="zh-CN" altLang="en-US" smtClean="0"/>
+              <a:t>‹#›</a:t>
+            </a:fld>
+            <a:endParaRPr lang="zh-CN" altLang="en-US"/>
+          </a:p>
+        </p:txBody>
+      </p:sp>
+      <p:pic>
+        <p:nvPicPr>
+          <p:cNvPr id="15" name="图片 14" descr="未命名作品-4">
+            <a:extLst>
+              <a:ext uri="{FF2B5EF4-FFF2-40B4-BE49-F238E27FC236}">
+                <a16:creationId xmlns:a16="http://schemas.microsoft.com/office/drawing/2014/main" id="{824C6379-B177-B311-6A8F-3368513C52B2}"/>
+              </a:ext>
+            </a:extLst>
+          </p:cNvPr>
+          <p:cNvPicPr>
+            <a:picLocks noChangeAspect="1"/>
+          </p:cNvPicPr>
+          <p:nvPr userDrawn="1"/>
+        </p:nvPicPr>
+        <p:blipFill>
+          <a:blip r:embed="rId2">
+            <a:alphaModFix amt="93000"/>
+          </a:blip>
+          <a:srcRect l="38073" t="62047" b="180"/>
+          <a:stretch>
+            <a:fillRect/>
+          </a:stretch>
+        </p:blipFill>
+        <p:spPr>
+          <a:xfrm>
+            <a:off x="4481830" y="4113530"/>
+            <a:ext cx="7710170" cy="2747010"/>
+          </a:xfrm>
+          <a:prstGeom prst="rect">
+            <a:avLst/>
+          </a:prstGeom>
+        </p:spPr>
+      </p:pic>
+      <p:pic>
+        <p:nvPicPr>
+          <p:cNvPr id="17" name="图片 16" descr="未命名作品-4">
+            <a:extLst>
+              <a:ext uri="{FF2B5EF4-FFF2-40B4-BE49-F238E27FC236}">
+                <a16:creationId xmlns:a16="http://schemas.microsoft.com/office/drawing/2014/main" id="{840B9834-93EB-CBDE-25CD-E2D5E6AC24D2}"/>
+              </a:ext>
+            </a:extLst>
+          </p:cNvPr>
+          <p:cNvPicPr>
+            <a:picLocks noChangeAspect="1"/>
+          </p:cNvPicPr>
+          <p:nvPr userDrawn="1"/>
+        </p:nvPicPr>
+        <p:blipFill>
+          <a:blip r:embed="rId4"/>
+          <a:srcRect l="45086" t="56111" r="17261"/>
+          <a:stretch>
+            <a:fillRect/>
+          </a:stretch>
+        </p:blipFill>
+        <p:spPr>
+          <a:xfrm>
+            <a:off x="6096000" y="4386310"/>
+            <a:ext cx="3213735" cy="2497455"/>
+          </a:xfrm>
+          <a:prstGeom prst="rect">
+            <a:avLst/>
+          </a:prstGeom>
+        </p:spPr>
+      </p:pic>
+      <p:pic>
+        <p:nvPicPr>
+          <p:cNvPr id="18" name="图片 17" descr="未命名作品-4">
+            <a:extLst>
+              <a:ext uri="{FF2B5EF4-FFF2-40B4-BE49-F238E27FC236}">
+                <a16:creationId xmlns:a16="http://schemas.microsoft.com/office/drawing/2014/main" id="{27249BD7-C8EA-6B19-CE9E-161616A3879E}"/>
+              </a:ext>
+            </a:extLst>
+          </p:cNvPr>
+          <p:cNvPicPr>
+            <a:picLocks noChangeAspect="1"/>
+          </p:cNvPicPr>
+          <p:nvPr userDrawn="1"/>
+        </p:nvPicPr>
+        <p:blipFill>
+          <a:blip r:embed="rId3"/>
+          <a:srcRect t="21912" r="39675"/>
+          <a:stretch>
+            <a:fillRect/>
+          </a:stretch>
+        </p:blipFill>
+        <p:spPr>
+          <a:xfrm flipH="1" flipV="1">
+            <a:off x="9198610" y="-14605"/>
+            <a:ext cx="3007360" cy="2595880"/>
+          </a:xfrm>
+          <a:prstGeom prst="rect">
+            <a:avLst/>
+          </a:prstGeom>
+        </p:spPr>
+      </p:pic>
+      <p:pic>
+        <p:nvPicPr>
+          <p:cNvPr id="19" name="图片 18" descr="未命名作品-4">
+            <a:extLst>
+              <a:ext uri="{FF2B5EF4-FFF2-40B4-BE49-F238E27FC236}">
+                <a16:creationId xmlns:a16="http://schemas.microsoft.com/office/drawing/2014/main" id="{75D82C0F-5417-4EA0-A0E6-57DA6C5C9E42}"/>
+              </a:ext>
+            </a:extLst>
+          </p:cNvPr>
+          <p:cNvPicPr>
+            <a:picLocks noChangeAspect="1"/>
+          </p:cNvPicPr>
+          <p:nvPr userDrawn="1"/>
+        </p:nvPicPr>
+        <p:blipFill>
+          <a:blip r:embed="rId3"/>
+          <a:srcRect l="41541" t="21912" r="39675" b="25559"/>
+          <a:stretch>
+            <a:fillRect/>
+          </a:stretch>
+        </p:blipFill>
+        <p:spPr>
+          <a:xfrm flipH="1" flipV="1">
+            <a:off x="7190740" y="1058545"/>
+            <a:ext cx="1550670" cy="2891790"/>
+          </a:xfrm>
+          <a:prstGeom prst="rect">
+            <a:avLst/>
+          </a:prstGeom>
+        </p:spPr>
+      </p:pic>
+      <p:pic>
+        <p:nvPicPr>
+          <p:cNvPr id="25" name="图片 24">
+            <a:extLst>
+              <a:ext uri="{FF2B5EF4-FFF2-40B4-BE49-F238E27FC236}">
+                <a16:creationId xmlns:a16="http://schemas.microsoft.com/office/drawing/2014/main" id="{EAD59AB8-3D3F-60C2-AA87-A31CD46C7001}"/>
+              </a:ext>
+            </a:extLst>
+          </p:cNvPr>
+          <p:cNvPicPr>
+            <a:picLocks noChangeAspect="1"/>
+          </p:cNvPicPr>
+          <p:nvPr userDrawn="1"/>
+        </p:nvPicPr>
+        <p:blipFill rotWithShape="1">
+          <a:blip r:embed="rId5" cstate="print">
+            <a:clrChange>
+              <a:clrFrom>
+                <a:srgbClr val="FFFFFF"/>
+              </a:clrFrom>
+              <a:clrTo>
+                <a:srgbClr val="FFFFFF">
+                  <a:alpha val="0"/>
+                </a:srgbClr>
+              </a:clrTo>
+            </a:clrChange>
+            <a:extLst>
+              <a:ext uri="{28A0092B-C50C-407E-A947-70E740481C1C}">
+                <a14:useLocalDpi xmlns:a14="http://schemas.microsoft.com/office/drawing/2010/main" val="0"/>
+              </a:ext>
+            </a:extLst>
+          </a:blip>
+          <a:srcRect l="51467" t="21699" r="33662" b="59048"/>
+          <a:stretch>
+            <a:fillRect/>
+          </a:stretch>
+        </p:blipFill>
+        <p:spPr>
+          <a:xfrm flipH="1" flipV="1">
+            <a:off x="4005580" y="508635"/>
+            <a:ext cx="683895" cy="549910"/>
+          </a:xfrm>
+          <a:prstGeom prst="rect">
+            <a:avLst/>
+          </a:prstGeom>
+        </p:spPr>
+      </p:pic>
+      <p:pic>
+        <p:nvPicPr>
+          <p:cNvPr id="27" name="图片 26" descr="未命名作品-4">
+            <a:extLst>
+              <a:ext uri="{FF2B5EF4-FFF2-40B4-BE49-F238E27FC236}">
+                <a16:creationId xmlns:a16="http://schemas.microsoft.com/office/drawing/2014/main" id="{734CD423-D412-2CB6-B5AF-A204195E2AA1}"/>
+              </a:ext>
+            </a:extLst>
+          </p:cNvPr>
+          <p:cNvPicPr>
+            <a:picLocks noChangeAspect="1"/>
+          </p:cNvPicPr>
+          <p:nvPr userDrawn="1"/>
+        </p:nvPicPr>
+        <p:blipFill>
+          <a:blip r:embed="rId3"/>
+          <a:srcRect l="18724" t="33831" r="72589" b="52243"/>
+          <a:stretch>
+            <a:fillRect/>
+          </a:stretch>
+        </p:blipFill>
+        <p:spPr>
+          <a:xfrm flipH="1" flipV="1">
+            <a:off x="1651000" y="4881245"/>
+            <a:ext cx="655955" cy="701040"/>
+          </a:xfrm>
+          <a:prstGeom prst="rect">
+            <a:avLst/>
+          </a:prstGeom>
+        </p:spPr>
+      </p:pic>
+      <p:pic>
+        <p:nvPicPr>
+          <p:cNvPr id="28" name="图片 27" descr="未命名作品-4">
+            <a:extLst>
+              <a:ext uri="{FF2B5EF4-FFF2-40B4-BE49-F238E27FC236}">
+                <a16:creationId xmlns:a16="http://schemas.microsoft.com/office/drawing/2014/main" id="{29D5AE0A-872F-B867-76A6-C877D243C1CB}"/>
+              </a:ext>
+            </a:extLst>
+          </p:cNvPr>
+          <p:cNvPicPr>
+            <a:picLocks noChangeAspect="1"/>
+          </p:cNvPicPr>
+          <p:nvPr userDrawn="1"/>
+        </p:nvPicPr>
+        <p:blipFill>
+          <a:blip r:embed="rId3"/>
+          <a:srcRect l="41541" t="21912" r="39675" b="25559"/>
+          <a:stretch>
+            <a:fillRect/>
+          </a:stretch>
+        </p:blipFill>
+        <p:spPr>
+          <a:xfrm flipH="1" flipV="1">
+            <a:off x="3138805" y="5812790"/>
+            <a:ext cx="1426845" cy="2661285"/>
+          </a:xfrm>
+          <a:prstGeom prst="rect">
+            <a:avLst/>
+          </a:prstGeom>
+        </p:spPr>
+      </p:pic>
+      <p:sp>
+        <p:nvSpPr>
+          <p:cNvPr id="29" name="矩形 28">
+            <a:extLst>
+              <a:ext uri="{FF2B5EF4-FFF2-40B4-BE49-F238E27FC236}">
+                <a16:creationId xmlns:a16="http://schemas.microsoft.com/office/drawing/2014/main" id="{5ED743A0-7D9E-BA82-ECF3-5B3390B3D692}"/>
               </a:ext>
             </a:extLst>
           </p:cNvPr>
@@ -1393,7 +1739,7 @@
         </p:nvSpPr>
         <p:spPr>
           <a:xfrm>
-            <a:off x="0" y="-1997"/>
+            <a:off x="24514" y="-72651"/>
             <a:ext cx="12209145" cy="6875145"/>
           </a:xfrm>
           <a:prstGeom prst="rect">
@@ -1429,7 +1775,7 @@
           <a:lstStyle/>
           <a:p>
             <a:pPr algn="ctr"/>
-            <a:endParaRPr lang="zh-CN" altLang="en-US"/>
+            <a:endParaRPr lang="zh-CN" altLang="en-US" dirty="0"/>
           </a:p>
         </p:txBody>
       </p:sp>
@@ -1486,8 +1832,8 @@
         </p:nvSpPr>
         <p:spPr>
           <a:xfrm>
-            <a:off x="1094874" y="1825625"/>
-            <a:ext cx="10068426" cy="4351338"/>
+            <a:off x="887320" y="1841817"/>
+            <a:ext cx="10275979" cy="4351338"/>
           </a:xfrm>
         </p:spPr>
         <p:txBody>
@@ -1583,6 +1929,39 @@
           </a:p>
         </p:txBody>
       </p:sp>
+    </p:spTree>
+  </p:cSld>
+  <p:clrMapOvr>
+    <a:masterClrMapping/>
+  </p:clrMapOvr>
+  <mc:AlternateContent xmlns:mc="http://schemas.openxmlformats.org/markup-compatibility/2006" xmlns:p14="http://schemas.microsoft.com/office/powerpoint/2010/main">
+    <mc:Choice Requires="p14">
+      <p:transition spd="slow" p14:dur="2000" advTm="3000"/>
+    </mc:Choice>
+    <mc:Fallback xmlns="">
+      <p:transition spd="slow" advTm="3000"/>
+    </mc:Fallback>
+  </mc:AlternateContent>
+</p:sldLayout>
+</file>
+
+<file path=ppt/slideLayouts/slideLayout3.xml><?xml version="1.0" encoding="utf-8"?>
+<p:sldLayout xmlns:a="http://schemas.openxmlformats.org/drawingml/2006/main" xmlns:r="http://schemas.openxmlformats.org/officeDocument/2006/relationships" xmlns:p="http://schemas.openxmlformats.org/presentationml/2006/main" preserve="1" userDrawn="1">
+  <p:cSld name="标题文字和图片">
+    <p:spTree>
+      <p:nvGrpSpPr>
+        <p:cNvPr id="1" name=""/>
+        <p:cNvGrpSpPr/>
+        <p:nvPr/>
+      </p:nvGrpSpPr>
+      <p:grpSpPr>
+        <a:xfrm>
+          <a:off x="0" y="0"/>
+          <a:ext cx="0" cy="0"/>
+          <a:chOff x="0" y="0"/>
+          <a:chExt cx="0" cy="0"/>
+        </a:xfrm>
+      </p:grpSpPr>
       <p:sp>
         <p:nvSpPr>
           <p:cNvPr id="4" name="日期占位符 3"/>
@@ -1625,12 +2004,35 @@
           </a:p>
         </p:txBody>
       </p:sp>
+      <p:sp>
+        <p:nvSpPr>
+          <p:cNvPr id="6" name="灯片编号占位符 5"/>
+          <p:cNvSpPr>
+            <a:spLocks noGrp="1"/>
+          </p:cNvSpPr>
+          <p:nvPr>
+            <p:ph type="sldNum" sz="quarter" idx="12"/>
+          </p:nvPr>
+        </p:nvSpPr>
+        <p:spPr/>
+        <p:txBody>
+          <a:bodyPr/>
+          <a:lstStyle/>
+          <a:p>
+            <a:fld id="{49AE70B2-8BF9-45C0-BB95-33D1B9D3A854}" type="slidenum">
+              <a:rPr lang="zh-CN" altLang="en-US" smtClean="0"/>
+              <a:t>‹#›</a:t>
+            </a:fld>
+            <a:endParaRPr lang="zh-CN" altLang="en-US"/>
+          </a:p>
+        </p:txBody>
+      </p:sp>
       <p:pic>
         <p:nvPicPr>
-          <p:cNvPr id="23" name="图片 22" descr="未命名作品-4">
+          <p:cNvPr id="9" name="图片 8" descr="未命名作品-4">
             <a:extLst>
               <a:ext uri="{FF2B5EF4-FFF2-40B4-BE49-F238E27FC236}">
-                <a16:creationId xmlns:a16="http://schemas.microsoft.com/office/drawing/2014/main" id="{EE3197B0-BA86-AAE0-70D8-12C7BDB299B8}"/>
+                <a16:creationId xmlns:a16="http://schemas.microsoft.com/office/drawing/2014/main" id="{AE3894FE-2FA2-84BF-C2F9-BC2153F7CAA2}"/>
               </a:ext>
             </a:extLst>
           </p:cNvPr>
@@ -1640,16 +2042,18 @@
           <p:nvPr userDrawn="1"/>
         </p:nvPicPr>
         <p:blipFill>
-          <a:blip r:embed="rId2"/>
-          <a:srcRect l="45086" t="56111"/>
+          <a:blip r:embed="rId2">
+            <a:alphaModFix amt="93000"/>
+          </a:blip>
+          <a:srcRect b="67343"/>
           <a:stretch>
             <a:fillRect/>
           </a:stretch>
         </p:blipFill>
         <p:spPr>
           <a:xfrm>
-            <a:off x="8398510" y="4842418"/>
-            <a:ext cx="3810635" cy="2030730"/>
+            <a:off x="635" y="-14605"/>
+            <a:ext cx="9786620" cy="1985645"/>
           </a:xfrm>
           <a:prstGeom prst="rect">
             <a:avLst/>
@@ -1658,10 +2062,10 @@
       </p:pic>
       <p:pic>
         <p:nvPicPr>
-          <p:cNvPr id="56" name="图片 55" descr="未命名作品-4">
+          <p:cNvPr id="16" name="图片 15" descr="未命名作品-4">
             <a:extLst>
               <a:ext uri="{FF2B5EF4-FFF2-40B4-BE49-F238E27FC236}">
-                <a16:creationId xmlns:a16="http://schemas.microsoft.com/office/drawing/2014/main" id="{35E0D159-F54F-BE26-350F-5D64DFCD622D}"/>
+                <a16:creationId xmlns:a16="http://schemas.microsoft.com/office/drawing/2014/main" id="{CE4F3570-1BB6-401C-7F2B-49451D33CD7A}"/>
               </a:ext>
             </a:extLst>
           </p:cNvPr>
@@ -1672,15 +2076,15 @@
         </p:nvPicPr>
         <p:blipFill>
           <a:blip r:embed="rId3"/>
-          <a:srcRect l="18917" t="33831" r="72589" b="52243"/>
+          <a:srcRect t="21912" r="39675"/>
           <a:stretch>
             <a:fillRect/>
           </a:stretch>
         </p:blipFill>
         <p:spPr>
           <a:xfrm flipH="1" flipV="1">
-            <a:off x="176530" y="369478"/>
-            <a:ext cx="641350" cy="701040"/>
+            <a:off x="9198610" y="-14605"/>
+            <a:ext cx="3007360" cy="2595880"/>
           </a:xfrm>
           <a:prstGeom prst="rect">
             <a:avLst/>
@@ -1689,72 +2093,10 @@
       </p:pic>
       <p:pic>
         <p:nvPicPr>
-          <p:cNvPr id="21" name="图片 20" descr="未命名作品-4">
+          <p:cNvPr id="17" name="图片 16" descr="未命名作品-4">
             <a:extLst>
               <a:ext uri="{FF2B5EF4-FFF2-40B4-BE49-F238E27FC236}">
-                <a16:creationId xmlns:a16="http://schemas.microsoft.com/office/drawing/2014/main" id="{59850090-20FE-C8C6-C898-67E373B419DF}"/>
-              </a:ext>
-            </a:extLst>
-          </p:cNvPr>
-          <p:cNvPicPr>
-            <a:picLocks noChangeAspect="1"/>
-          </p:cNvPicPr>
-          <p:nvPr userDrawn="1"/>
-        </p:nvPicPr>
-        <p:blipFill>
-          <a:blip r:embed="rId2"/>
-          <a:srcRect l="45086" t="56111"/>
-          <a:stretch>
-            <a:fillRect/>
-          </a:stretch>
-        </p:blipFill>
-        <p:spPr>
-          <a:xfrm>
-            <a:off x="8399780" y="4829810"/>
-            <a:ext cx="3810635" cy="2030730"/>
-          </a:xfrm>
-          <a:prstGeom prst="rect">
-            <a:avLst/>
-          </a:prstGeom>
-        </p:spPr>
-      </p:pic>
-      <p:pic>
-        <p:nvPicPr>
-          <p:cNvPr id="24" name="图片 23" descr="未命名作品-4">
-            <a:extLst>
-              <a:ext uri="{FF2B5EF4-FFF2-40B4-BE49-F238E27FC236}">
-                <a16:creationId xmlns:a16="http://schemas.microsoft.com/office/drawing/2014/main" id="{FB42A54C-83A4-17A3-951B-6FFA8CD14C6C}"/>
-              </a:ext>
-            </a:extLst>
-          </p:cNvPr>
-          <p:cNvPicPr>
-            <a:picLocks noChangeAspect="1"/>
-          </p:cNvPicPr>
-          <p:nvPr userDrawn="1"/>
-        </p:nvPicPr>
-        <p:blipFill>
-          <a:blip r:embed="rId2"/>
-          <a:srcRect t="555" r="45198" b="57306"/>
-          <a:stretch>
-            <a:fillRect/>
-          </a:stretch>
-        </p:blipFill>
-        <p:spPr>
-          <a:xfrm rot="16200000">
-            <a:off x="-620395" y="4931410"/>
-            <a:ext cx="2550160" cy="1307465"/>
-          </a:xfrm>
-          <a:prstGeom prst="rect">
-            <a:avLst/>
-          </a:prstGeom>
-        </p:spPr>
-      </p:pic>
-      <p:pic>
-        <p:nvPicPr>
-          <p:cNvPr id="26" name="图片 25" descr="未命名作品-4">
-            <a:extLst>
-              <a:ext uri="{FF2B5EF4-FFF2-40B4-BE49-F238E27FC236}">
-                <a16:creationId xmlns:a16="http://schemas.microsoft.com/office/drawing/2014/main" id="{20DD3E45-348C-EA62-753F-55A5047D734C}"/>
+                <a16:creationId xmlns:a16="http://schemas.microsoft.com/office/drawing/2014/main" id="{A2571D76-E24D-3D13-1B00-5E10140EC306}"/>
               </a:ext>
             </a:extLst>
           </p:cNvPr>
@@ -1765,40 +2107,302 @@
         </p:nvPicPr>
         <p:blipFill>
           <a:blip r:embed="rId3"/>
-          <a:srcRect l="18917" t="33831" r="72589" b="52243"/>
+          <a:srcRect l="41541" t="21912" r="39675" b="25559"/>
           <a:stretch>
             <a:fillRect/>
           </a:stretch>
         </p:blipFill>
         <p:spPr>
           <a:xfrm flipH="1" flipV="1">
-            <a:off x="177800" y="356870"/>
-            <a:ext cx="641350" cy="701040"/>
+            <a:off x="7190740" y="1058545"/>
+            <a:ext cx="1550670" cy="2891790"/>
           </a:xfrm>
           <a:prstGeom prst="rect">
             <a:avLst/>
           </a:prstGeom>
         </p:spPr>
       </p:pic>
+      <p:pic>
+        <p:nvPicPr>
+          <p:cNvPr id="19" name="图片 18" descr="未命名作品-4">
+            <a:extLst>
+              <a:ext uri="{FF2B5EF4-FFF2-40B4-BE49-F238E27FC236}">
+                <a16:creationId xmlns:a16="http://schemas.microsoft.com/office/drawing/2014/main" id="{0B9E4E43-936A-3782-5F49-8A78B7D81296}"/>
+              </a:ext>
+            </a:extLst>
+          </p:cNvPr>
+          <p:cNvPicPr>
+            <a:picLocks noChangeAspect="1"/>
+          </p:cNvPicPr>
+          <p:nvPr userDrawn="1"/>
+        </p:nvPicPr>
+        <p:blipFill>
+          <a:blip r:embed="rId3"/>
+          <a:srcRect t="21912" r="39675"/>
+          <a:stretch>
+            <a:fillRect/>
+          </a:stretch>
+        </p:blipFill>
+        <p:spPr>
+          <a:xfrm flipV="1">
+            <a:off x="0" y="-6985"/>
+            <a:ext cx="3605530" cy="3112135"/>
+          </a:xfrm>
+          <a:prstGeom prst="rect">
+            <a:avLst/>
+          </a:prstGeom>
+        </p:spPr>
+      </p:pic>
+      <p:pic>
+        <p:nvPicPr>
+          <p:cNvPr id="20" name="图片 19">
+            <a:extLst>
+              <a:ext uri="{FF2B5EF4-FFF2-40B4-BE49-F238E27FC236}">
+                <a16:creationId xmlns:a16="http://schemas.microsoft.com/office/drawing/2014/main" id="{4D6ADE1F-5C81-DD40-C610-E2C3621B3DF3}"/>
+              </a:ext>
+            </a:extLst>
+          </p:cNvPr>
+          <p:cNvPicPr>
+            <a:picLocks noChangeAspect="1"/>
+          </p:cNvPicPr>
+          <p:nvPr userDrawn="1"/>
+        </p:nvPicPr>
+        <p:blipFill rotWithShape="1">
+          <a:blip r:embed="rId4" cstate="print">
+            <a:clrChange>
+              <a:clrFrom>
+                <a:srgbClr val="FFFFFF"/>
+              </a:clrFrom>
+              <a:clrTo>
+                <a:srgbClr val="FFFFFF">
+                  <a:alpha val="0"/>
+                </a:srgbClr>
+              </a:clrTo>
+            </a:clrChange>
+            <a:extLst>
+              <a:ext uri="{28A0092B-C50C-407E-A947-70E740481C1C}">
+                <a14:useLocalDpi xmlns:a14="http://schemas.microsoft.com/office/drawing/2010/main" val="0"/>
+              </a:ext>
+            </a:extLst>
+          </a:blip>
+          <a:srcRect l="51467" t="21699" r="33662" b="59048"/>
+          <a:stretch>
+            <a:fillRect/>
+          </a:stretch>
+        </p:blipFill>
+        <p:spPr>
+          <a:xfrm flipH="1" flipV="1">
+            <a:off x="4005580" y="508635"/>
+            <a:ext cx="683895" cy="549910"/>
+          </a:xfrm>
+          <a:prstGeom prst="rect">
+            <a:avLst/>
+          </a:prstGeom>
+        </p:spPr>
+      </p:pic>
+      <p:sp>
+        <p:nvSpPr>
+          <p:cNvPr id="11" name="矩形 10">
+            <a:extLst>
+              <a:ext uri="{FF2B5EF4-FFF2-40B4-BE49-F238E27FC236}">
+                <a16:creationId xmlns:a16="http://schemas.microsoft.com/office/drawing/2014/main" id="{57DDAEDA-2168-0EAB-B6BE-B57E9E6A5222}"/>
+              </a:ext>
+            </a:extLst>
+          </p:cNvPr>
+          <p:cNvSpPr/>
+          <p:nvPr userDrawn="1"/>
+        </p:nvSpPr>
+        <p:spPr>
+          <a:xfrm>
+            <a:off x="1270" y="-14605"/>
+            <a:ext cx="12209145" cy="6875145"/>
+          </a:xfrm>
+          <a:prstGeom prst="rect">
+            <a:avLst/>
+          </a:prstGeom>
+          <a:solidFill>
+            <a:srgbClr val="FFF7EB">
+              <a:alpha val="65000"/>
+            </a:srgbClr>
+          </a:solidFill>
+          <a:ln>
+            <a:noFill/>
+          </a:ln>
+        </p:spPr>
+        <p:style>
+          <a:lnRef idx="2">
+            <a:schemeClr val="accent1">
+              <a:shade val="50000"/>
+            </a:schemeClr>
+          </a:lnRef>
+          <a:fillRef idx="1">
+            <a:schemeClr val="accent1"/>
+          </a:fillRef>
+          <a:effectRef idx="0">
+            <a:schemeClr val="accent1"/>
+          </a:effectRef>
+          <a:fontRef idx="minor">
+            <a:schemeClr val="lt1"/>
+          </a:fontRef>
+        </p:style>
+        <p:txBody>
+          <a:bodyPr rtlCol="0" anchor="ctr"/>
+          <a:lstStyle/>
+          <a:p>
+            <a:pPr algn="ctr"/>
+            <a:endParaRPr lang="zh-CN" altLang="en-US" dirty="0"/>
+          </a:p>
+        </p:txBody>
+      </p:sp>
+      <p:sp>
+        <p:nvSpPr>
+          <p:cNvPr id="12" name="标题 11">
+            <a:extLst>
+              <a:ext uri="{FF2B5EF4-FFF2-40B4-BE49-F238E27FC236}">
+                <a16:creationId xmlns:a16="http://schemas.microsoft.com/office/drawing/2014/main" id="{7FE7B82F-81E4-89E3-1655-AFAF2533F3CC}"/>
+              </a:ext>
+            </a:extLst>
+          </p:cNvPr>
+          <p:cNvSpPr>
+            <a:spLocks noGrp="1"/>
+          </p:cNvSpPr>
+          <p:nvPr>
+            <p:ph type="title"/>
+          </p:nvPr>
+        </p:nvSpPr>
+        <p:spPr>
+          <a:xfrm>
+            <a:off x="838200" y="365126"/>
+            <a:ext cx="8130436" cy="693420"/>
+          </a:xfrm>
+        </p:spPr>
+        <p:txBody>
+          <a:bodyPr/>
+          <a:lstStyle/>
+          <a:p>
+            <a:r>
+              <a:rPr kumimoji="1" lang="zh-CN" altLang="en-US" dirty="0"/>
+              <a:t>单击此处编辑母版标题样式</a:t>
+            </a:r>
+          </a:p>
+        </p:txBody>
+      </p:sp>
+      <p:sp>
+        <p:nvSpPr>
+          <p:cNvPr id="14" name="内容占位符 13">
+            <a:extLst>
+              <a:ext uri="{FF2B5EF4-FFF2-40B4-BE49-F238E27FC236}">
+                <a16:creationId xmlns:a16="http://schemas.microsoft.com/office/drawing/2014/main" id="{7607B2E0-DD3C-9737-0717-59D2D10E93F3}"/>
+              </a:ext>
+            </a:extLst>
+          </p:cNvPr>
+          <p:cNvSpPr>
+            <a:spLocks noGrp="1"/>
+          </p:cNvSpPr>
+          <p:nvPr>
+            <p:ph sz="quarter" idx="13"/>
+          </p:nvPr>
+        </p:nvSpPr>
+        <p:spPr>
+          <a:xfrm>
+            <a:off x="838200" y="1503680"/>
+            <a:ext cx="6125314" cy="4295775"/>
+          </a:xfrm>
+        </p:spPr>
+        <p:txBody>
+          <a:bodyPr/>
+          <a:lstStyle/>
+          <a:p>
+            <a:pPr lvl="0"/>
+            <a:r>
+              <a:rPr kumimoji="1" lang="zh-CN" altLang="en-US"/>
+              <a:t>单击此处编辑母版文本样式</a:t>
+            </a:r>
+          </a:p>
+          <a:p>
+            <a:pPr lvl="1"/>
+            <a:r>
+              <a:rPr kumimoji="1" lang="zh-CN" altLang="en-US"/>
+              <a:t>二级</a:t>
+            </a:r>
+          </a:p>
+          <a:p>
+            <a:pPr lvl="2"/>
+            <a:r>
+              <a:rPr kumimoji="1" lang="zh-CN" altLang="en-US"/>
+              <a:t>三级</a:t>
+            </a:r>
+          </a:p>
+          <a:p>
+            <a:pPr lvl="3"/>
+            <a:r>
+              <a:rPr kumimoji="1" lang="zh-CN" altLang="en-US"/>
+              <a:t>四级</a:t>
+            </a:r>
+          </a:p>
+          <a:p>
+            <a:pPr lvl="4"/>
+            <a:r>
+              <a:rPr kumimoji="1" lang="zh-CN" altLang="en-US"/>
+              <a:t>五级</a:t>
+            </a:r>
+          </a:p>
+        </p:txBody>
+      </p:sp>
+      <p:sp>
+        <p:nvSpPr>
+          <p:cNvPr id="23" name="图片占位符 22">
+            <a:extLst>
+              <a:ext uri="{FF2B5EF4-FFF2-40B4-BE49-F238E27FC236}">
+                <a16:creationId xmlns:a16="http://schemas.microsoft.com/office/drawing/2014/main" id="{C91662BC-01B5-0510-25C1-244FFB254382}"/>
+              </a:ext>
+            </a:extLst>
+          </p:cNvPr>
+          <p:cNvSpPr>
+            <a:spLocks noGrp="1"/>
+          </p:cNvSpPr>
+          <p:nvPr>
+            <p:ph type="pic" sz="quarter" idx="14"/>
+          </p:nvPr>
+        </p:nvSpPr>
+        <p:spPr>
+          <a:xfrm>
+            <a:off x="7627938" y="1503680"/>
+            <a:ext cx="4171950" cy="4295775"/>
+          </a:xfrm>
+        </p:spPr>
+        <p:txBody>
+          <a:bodyPr/>
+          <a:lstStyle/>
+          <a:p>
+            <a:endParaRPr kumimoji="1" lang="zh-CN" altLang="en-US"/>
+          </a:p>
+        </p:txBody>
+      </p:sp>
     </p:spTree>
+    <p:extLst>
+      <p:ext uri="{BB962C8B-B14F-4D97-AF65-F5344CB8AC3E}">
+        <p14:creationId xmlns:p14="http://schemas.microsoft.com/office/powerpoint/2010/main" val="1928951458"/>
+      </p:ext>
+    </p:extLst>
   </p:cSld>
   <p:clrMapOvr>
     <a:masterClrMapping/>
   </p:clrMapOvr>
-  <mc:AlternateContent xmlns:mc="http://schemas.openxmlformats.org/markup-compatibility/2006" xmlns:p14="http://schemas.microsoft.com/office/powerpoint/2010/main">
-    <mc:Choice Requires="p14">
+  <mc:AlternateContent xmlns:mc="http://schemas.openxmlformats.org/markup-compatibility/2006">
+    <mc:Choice xmlns:p14="http://schemas.microsoft.com/office/powerpoint/2010/main" Requires="p14">
       <p:transition spd="slow" p14:dur="2000" advTm="3000"/>
     </mc:Choice>
-    <mc:Fallback xmlns="">
+    <mc:Fallback>
       <p:transition spd="slow" advTm="3000"/>
     </mc:Fallback>
   </mc:AlternateContent>
 </p:sldLayout>
 </file>
 
-<file path=ppt/slideLayouts/slideLayout3.xml><?xml version="1.0" encoding="utf-8"?>
+<file path=ppt/slideLayouts/slideLayout4.xml><?xml version="1.0" encoding="utf-8"?>
 <p:sldLayout xmlns:a="http://schemas.openxmlformats.org/drawingml/2006/main" xmlns:r="http://schemas.openxmlformats.org/officeDocument/2006/relationships" xmlns:p="http://schemas.openxmlformats.org/presentationml/2006/main" preserve="1" userDrawn="1">
-  <p:cSld name="两栏内容">
+  <p:cSld name="结束页">
     <p:spTree>
       <p:nvGrpSpPr>
         <p:cNvPr id="1" name=""/>
@@ -1813,12 +2417,78 @@
           <a:chExt cx="0" cy="0"/>
         </a:xfrm>
       </p:grpSpPr>
+      <p:pic>
+        <p:nvPicPr>
+          <p:cNvPr id="7" name="图片 6" descr="未命名作品-4">
+            <a:extLst>
+              <a:ext uri="{FF2B5EF4-FFF2-40B4-BE49-F238E27FC236}">
+                <a16:creationId xmlns:a16="http://schemas.microsoft.com/office/drawing/2014/main" id="{081FCBE2-7719-286B-4238-1CA6937E9A1C}"/>
+              </a:ext>
+            </a:extLst>
+          </p:cNvPr>
+          <p:cNvPicPr>
+            <a:picLocks noChangeAspect="1"/>
+          </p:cNvPicPr>
+          <p:nvPr userDrawn="1"/>
+        </p:nvPicPr>
+        <p:blipFill>
+          <a:blip r:embed="rId2">
+            <a:alphaModFix amt="93000"/>
+          </a:blip>
+          <a:srcRect l="38073" t="62047" b="180"/>
+          <a:stretch>
+            <a:fillRect/>
+          </a:stretch>
+        </p:blipFill>
+        <p:spPr>
+          <a:xfrm>
+            <a:off x="4481830" y="4113530"/>
+            <a:ext cx="7710170" cy="2747010"/>
+          </a:xfrm>
+          <a:prstGeom prst="rect">
+            <a:avLst/>
+          </a:prstGeom>
+        </p:spPr>
+      </p:pic>
+      <p:pic>
+        <p:nvPicPr>
+          <p:cNvPr id="8" name="图片 7" descr="未命名作品-4">
+            <a:extLst>
+              <a:ext uri="{FF2B5EF4-FFF2-40B4-BE49-F238E27FC236}">
+                <a16:creationId xmlns:a16="http://schemas.microsoft.com/office/drawing/2014/main" id="{534B8915-1521-4F7C-7016-785C5FFE7C02}"/>
+              </a:ext>
+            </a:extLst>
+          </p:cNvPr>
+          <p:cNvPicPr>
+            <a:picLocks noChangeAspect="1"/>
+          </p:cNvPicPr>
+          <p:nvPr userDrawn="1"/>
+        </p:nvPicPr>
+        <p:blipFill>
+          <a:blip r:embed="rId2">
+            <a:alphaModFix amt="93000"/>
+          </a:blip>
+          <a:srcRect b="67343"/>
+          <a:stretch>
+            <a:fillRect/>
+          </a:stretch>
+        </p:blipFill>
+        <p:spPr>
+          <a:xfrm>
+            <a:off x="635" y="-14605"/>
+            <a:ext cx="9786620" cy="1985645"/>
+          </a:xfrm>
+          <a:prstGeom prst="rect">
+            <a:avLst/>
+          </a:prstGeom>
+        </p:spPr>
+      </p:pic>
       <p:sp>
         <p:nvSpPr>
           <p:cNvPr id="10" name="矩形 9">
             <a:extLst>
               <a:ext uri="{FF2B5EF4-FFF2-40B4-BE49-F238E27FC236}">
-                <a16:creationId xmlns:a16="http://schemas.microsoft.com/office/drawing/2014/main" id="{47A0203C-6F80-B50C-5323-6634F2462982}"/>
+                <a16:creationId xmlns:a16="http://schemas.microsoft.com/office/drawing/2014/main" id="{222D3286-E475-8469-310C-09E9DEA8EC1C}"/>
               </a:ext>
             </a:extLst>
           </p:cNvPr>
@@ -1827,7 +2497,7 @@
         </p:nvSpPr>
         <p:spPr>
           <a:xfrm>
-            <a:off x="0" y="-1997"/>
+            <a:off x="1270" y="-14605"/>
             <a:ext cx="12209145" cy="6875145"/>
           </a:xfrm>
           <a:prstGeom prst="rect">
@@ -1867,551 +2537,12 @@
           </a:p>
         </p:txBody>
       </p:sp>
-      <p:sp>
-        <p:nvSpPr>
-          <p:cNvPr id="3" name="内容占位符 2"/>
-          <p:cNvSpPr>
-            <a:spLocks noGrp="1"/>
-          </p:cNvSpPr>
-          <p:nvPr>
-            <p:ph sz="half" idx="1"/>
-          </p:nvPr>
-        </p:nvSpPr>
-        <p:spPr>
-          <a:xfrm>
-            <a:off x="647700" y="1825625"/>
-            <a:ext cx="5181600" cy="4351338"/>
-          </a:xfrm>
-        </p:spPr>
-        <p:txBody>
-          <a:bodyPr>
-            <a:normAutofit/>
-          </a:bodyPr>
-          <a:lstStyle>
-            <a:lvl1pPr>
-              <a:lnSpc>
-                <a:spcPct val="150000"/>
-              </a:lnSpc>
-              <a:defRPr sz="2000">
-                <a:solidFill>
-                  <a:schemeClr val="tx1">
-                    <a:lumMod val="75000"/>
-                    <a:lumOff val="25000"/>
-                  </a:schemeClr>
-                </a:solidFill>
-              </a:defRPr>
-            </a:lvl1pPr>
-            <a:lvl2pPr>
-              <a:lnSpc>
-                <a:spcPct val="150000"/>
-              </a:lnSpc>
-              <a:defRPr sz="1800">
-                <a:solidFill>
-                  <a:schemeClr val="tx1">
-                    <a:lumMod val="75000"/>
-                    <a:lumOff val="25000"/>
-                  </a:schemeClr>
-                </a:solidFill>
-              </a:defRPr>
-            </a:lvl2pPr>
-            <a:lvl3pPr>
-              <a:lnSpc>
-                <a:spcPct val="150000"/>
-              </a:lnSpc>
-              <a:defRPr sz="1600">
-                <a:solidFill>
-                  <a:schemeClr val="tx1">
-                    <a:lumMod val="75000"/>
-                    <a:lumOff val="25000"/>
-                  </a:schemeClr>
-                </a:solidFill>
-              </a:defRPr>
-            </a:lvl3pPr>
-            <a:lvl4pPr>
-              <a:lnSpc>
-                <a:spcPct val="150000"/>
-              </a:lnSpc>
-              <a:defRPr sz="1600">
-                <a:solidFill>
-                  <a:schemeClr val="tx1">
-                    <a:lumMod val="75000"/>
-                    <a:lumOff val="25000"/>
-                  </a:schemeClr>
-                </a:solidFill>
-              </a:defRPr>
-            </a:lvl4pPr>
-            <a:lvl5pPr>
-              <a:lnSpc>
-                <a:spcPct val="150000"/>
-              </a:lnSpc>
-              <a:defRPr sz="1600">
-                <a:solidFill>
-                  <a:schemeClr val="tx1">
-                    <a:lumMod val="75000"/>
-                    <a:lumOff val="25000"/>
-                  </a:schemeClr>
-                </a:solidFill>
-              </a:defRPr>
-            </a:lvl5pPr>
-          </a:lstStyle>
-          <a:p>
-            <a:pPr lvl="0"/>
-            <a:r>
-              <a:rPr lang="zh-CN" altLang="en-US" dirty="0"/>
-              <a:t>单击此处编辑母版文本样式</a:t>
-            </a:r>
-          </a:p>
-          <a:p>
-            <a:pPr lvl="1"/>
-            <a:r>
-              <a:rPr lang="zh-CN" altLang="en-US" dirty="0"/>
-              <a:t>第二级</a:t>
-            </a:r>
-          </a:p>
-          <a:p>
-            <a:pPr lvl="2"/>
-            <a:r>
-              <a:rPr lang="zh-CN" altLang="en-US" dirty="0"/>
-              <a:t>第三级</a:t>
-            </a:r>
-          </a:p>
-          <a:p>
-            <a:pPr lvl="3"/>
-            <a:r>
-              <a:rPr lang="zh-CN" altLang="en-US" dirty="0"/>
-              <a:t>第四级</a:t>
-            </a:r>
-          </a:p>
-          <a:p>
-            <a:pPr lvl="4"/>
-            <a:r>
-              <a:rPr lang="zh-CN" altLang="en-US" dirty="0"/>
-              <a:t>第五级</a:t>
-            </a:r>
-          </a:p>
-        </p:txBody>
-      </p:sp>
-      <p:sp>
-        <p:nvSpPr>
-          <p:cNvPr id="4" name="内容占位符 3"/>
-          <p:cNvSpPr>
-            <a:spLocks noGrp="1"/>
-          </p:cNvSpPr>
-          <p:nvPr>
-            <p:ph sz="half" idx="2"/>
-          </p:nvPr>
-        </p:nvSpPr>
-        <p:spPr>
-          <a:xfrm>
-            <a:off x="5981700" y="1825625"/>
-            <a:ext cx="5181600" cy="4351338"/>
-          </a:xfrm>
-        </p:spPr>
-        <p:txBody>
-          <a:bodyPr>
-            <a:normAutofit/>
-          </a:bodyPr>
-          <a:lstStyle>
-            <a:lvl1pPr>
-              <a:lnSpc>
-                <a:spcPct val="150000"/>
-              </a:lnSpc>
-              <a:defRPr sz="2000">
-                <a:solidFill>
-                  <a:schemeClr val="tx1">
-                    <a:lumMod val="75000"/>
-                    <a:lumOff val="25000"/>
-                  </a:schemeClr>
-                </a:solidFill>
-              </a:defRPr>
-            </a:lvl1pPr>
-            <a:lvl2pPr>
-              <a:lnSpc>
-                <a:spcPct val="150000"/>
-              </a:lnSpc>
-              <a:defRPr sz="1800">
-                <a:solidFill>
-                  <a:schemeClr val="tx1">
-                    <a:lumMod val="75000"/>
-                    <a:lumOff val="25000"/>
-                  </a:schemeClr>
-                </a:solidFill>
-              </a:defRPr>
-            </a:lvl2pPr>
-            <a:lvl3pPr>
-              <a:lnSpc>
-                <a:spcPct val="150000"/>
-              </a:lnSpc>
-              <a:defRPr sz="1600">
-                <a:solidFill>
-                  <a:schemeClr val="tx1">
-                    <a:lumMod val="75000"/>
-                    <a:lumOff val="25000"/>
-                  </a:schemeClr>
-                </a:solidFill>
-              </a:defRPr>
-            </a:lvl3pPr>
-            <a:lvl4pPr>
-              <a:lnSpc>
-                <a:spcPct val="150000"/>
-              </a:lnSpc>
-              <a:defRPr sz="1600">
-                <a:solidFill>
-                  <a:schemeClr val="tx1">
-                    <a:lumMod val="75000"/>
-                    <a:lumOff val="25000"/>
-                  </a:schemeClr>
-                </a:solidFill>
-              </a:defRPr>
-            </a:lvl4pPr>
-            <a:lvl5pPr>
-              <a:lnSpc>
-                <a:spcPct val="150000"/>
-              </a:lnSpc>
-              <a:defRPr sz="1600">
-                <a:solidFill>
-                  <a:schemeClr val="tx1">
-                    <a:lumMod val="75000"/>
-                    <a:lumOff val="25000"/>
-                  </a:schemeClr>
-                </a:solidFill>
-              </a:defRPr>
-            </a:lvl5pPr>
-          </a:lstStyle>
-          <a:p>
-            <a:pPr lvl="0"/>
-            <a:r>
-              <a:rPr lang="zh-CN" altLang="en-US" dirty="0"/>
-              <a:t>单击此处编辑母版文本样式</a:t>
-            </a:r>
-          </a:p>
-          <a:p>
-            <a:pPr lvl="1"/>
-            <a:r>
-              <a:rPr lang="zh-CN" altLang="en-US" dirty="0"/>
-              <a:t>第二级</a:t>
-            </a:r>
-          </a:p>
-          <a:p>
-            <a:pPr lvl="2"/>
-            <a:r>
-              <a:rPr lang="zh-CN" altLang="en-US" dirty="0"/>
-              <a:t>第三级</a:t>
-            </a:r>
-          </a:p>
-          <a:p>
-            <a:pPr lvl="3"/>
-            <a:r>
-              <a:rPr lang="zh-CN" altLang="en-US" dirty="0"/>
-              <a:t>第四级</a:t>
-            </a:r>
-          </a:p>
-          <a:p>
-            <a:pPr lvl="4"/>
-            <a:r>
-              <a:rPr lang="zh-CN" altLang="en-US" dirty="0"/>
-              <a:t>第五级</a:t>
-            </a:r>
-          </a:p>
-        </p:txBody>
-      </p:sp>
-      <p:sp>
-        <p:nvSpPr>
-          <p:cNvPr id="5" name="日期占位符 4"/>
-          <p:cNvSpPr>
-            <a:spLocks noGrp="1"/>
-          </p:cNvSpPr>
-          <p:nvPr>
-            <p:ph type="dt" sz="half" idx="10"/>
-          </p:nvPr>
-        </p:nvSpPr>
-        <p:spPr/>
-        <p:txBody>
-          <a:bodyPr/>
-          <a:lstStyle/>
-          <a:p>
-            <a:fld id="{760FBDFE-C587-4B4C-A407-44438C67B59E}" type="datetimeFigureOut">
-              <a:rPr lang="zh-CN" altLang="en-US" smtClean="0"/>
-              <a:t>2025/5/16</a:t>
-            </a:fld>
-            <a:endParaRPr lang="zh-CN" altLang="en-US"/>
-          </a:p>
-        </p:txBody>
-      </p:sp>
-      <p:sp>
-        <p:nvSpPr>
-          <p:cNvPr id="6" name="页脚占位符 5"/>
-          <p:cNvSpPr>
-            <a:spLocks noGrp="1"/>
-          </p:cNvSpPr>
-          <p:nvPr>
-            <p:ph type="ftr" sz="quarter" idx="11"/>
-          </p:nvPr>
-        </p:nvSpPr>
-        <p:spPr/>
-        <p:txBody>
-          <a:bodyPr/>
-          <a:lstStyle/>
-          <a:p>
-            <a:endParaRPr lang="zh-CN" altLang="en-US"/>
-          </a:p>
-        </p:txBody>
-      </p:sp>
-      <p:sp>
-        <p:nvSpPr>
-          <p:cNvPr id="7" name="灯片编号占位符 6"/>
-          <p:cNvSpPr>
-            <a:spLocks noGrp="1"/>
-          </p:cNvSpPr>
-          <p:nvPr>
-            <p:ph type="sldNum" sz="quarter" idx="12"/>
-          </p:nvPr>
-        </p:nvSpPr>
-        <p:spPr/>
-        <p:txBody>
-          <a:bodyPr/>
-          <a:lstStyle/>
-          <a:p>
-            <a:fld id="{49AE70B2-8BF9-45C0-BB95-33D1B9D3A854}" type="slidenum">
-              <a:rPr lang="zh-CN" altLang="en-US" smtClean="0"/>
-              <a:t>‹#›</a:t>
-            </a:fld>
-            <a:endParaRPr lang="zh-CN" altLang="en-US"/>
-          </a:p>
-        </p:txBody>
-      </p:sp>
-      <p:sp>
-        <p:nvSpPr>
-          <p:cNvPr id="9" name="标题 1">
-            <a:extLst>
-              <a:ext uri="{FF2B5EF4-FFF2-40B4-BE49-F238E27FC236}">
-                <a16:creationId xmlns:a16="http://schemas.microsoft.com/office/drawing/2014/main" id="{78B76455-61A7-B1AE-A6A6-0B835C63343C}"/>
-              </a:ext>
-            </a:extLst>
-          </p:cNvPr>
-          <p:cNvSpPr txBox="1">
-            <a:spLocks/>
-          </p:cNvSpPr>
-          <p:nvPr userDrawn="1"/>
-        </p:nvSpPr>
-        <p:spPr>
-          <a:xfrm>
-            <a:off x="817880" y="258445"/>
-            <a:ext cx="10345420" cy="701041"/>
-          </a:xfrm>
-          <a:prstGeom prst="rect">
-            <a:avLst/>
-          </a:prstGeom>
-        </p:spPr>
-        <p:txBody>
-          <a:bodyPr vert="horz" lIns="91440" tIns="45720" rIns="91440" bIns="45720" rtlCol="0" anchor="ctr" anchorCtr="0">
-            <a:normAutofit/>
-          </a:bodyPr>
-          <a:lstStyle>
-            <a:lvl1pPr algn="l" defTabSz="914400" rtl="0" eaLnBrk="1" latinLnBrk="0" hangingPunct="1">
-              <a:lnSpc>
-                <a:spcPct val="90000"/>
-              </a:lnSpc>
-              <a:spcBef>
-                <a:spcPct val="0"/>
-              </a:spcBef>
-              <a:buNone/>
-              <a:defRPr sz="2400" b="1" kern="1200">
-                <a:solidFill>
-                  <a:schemeClr val="tx1"/>
-                </a:solidFill>
-                <a:effectLst>
-                  <a:outerShdw blurRad="38100" dist="38100" dir="2700000" algn="tl">
-                    <a:srgbClr val="000000">
-                      <a:alpha val="43137"/>
-                    </a:srgbClr>
-                  </a:outerShdw>
-                </a:effectLst>
-                <a:latin typeface="+mj-lt"/>
-                <a:ea typeface="+mj-ea"/>
-                <a:cs typeface="+mj-cs"/>
-              </a:defRPr>
-            </a:lvl1pPr>
-          </a:lstStyle>
-          <a:p>
-            <a:r>
-              <a:rPr lang="zh-CN" altLang="en-US" dirty="0"/>
-              <a:t>单击此处编辑母版标题样式</a:t>
-            </a:r>
-          </a:p>
-        </p:txBody>
-      </p:sp>
-      <p:sp>
-        <p:nvSpPr>
-          <p:cNvPr id="11" name="日期占位符 3">
-            <a:extLst>
-              <a:ext uri="{FF2B5EF4-FFF2-40B4-BE49-F238E27FC236}">
-                <a16:creationId xmlns:a16="http://schemas.microsoft.com/office/drawing/2014/main" id="{FCB07A3F-4E98-CBFE-87A7-2069207BBAC1}"/>
-              </a:ext>
-            </a:extLst>
-          </p:cNvPr>
-          <p:cNvSpPr txBox="1">
-            <a:spLocks/>
-          </p:cNvSpPr>
-          <p:nvPr userDrawn="1"/>
-        </p:nvSpPr>
-        <p:spPr>
-          <a:xfrm>
-            <a:off x="838200" y="6356350"/>
-            <a:ext cx="2743200" cy="365125"/>
-          </a:xfrm>
-          <a:prstGeom prst="rect">
-            <a:avLst/>
-          </a:prstGeom>
-        </p:spPr>
-        <p:txBody>
-          <a:bodyPr vert="horz" lIns="91440" tIns="45720" rIns="91440" bIns="45720" rtlCol="0" anchor="ctr">
-            <a:normAutofit/>
-          </a:bodyPr>
-          <a:lstStyle>
-            <a:defPPr>
-              <a:defRPr lang="zh-CN"/>
-            </a:defPPr>
-            <a:lvl1pPr marL="0" algn="l" defTabSz="914400" rtl="0" eaLnBrk="1" latinLnBrk="0" hangingPunct="1">
-              <a:defRPr sz="1200" kern="1200">
-                <a:solidFill>
-                  <a:schemeClr val="tx1">
-                    <a:tint val="75000"/>
-                  </a:schemeClr>
-                </a:solidFill>
-                <a:latin typeface="+mn-lt"/>
-                <a:ea typeface="+mn-ea"/>
-                <a:cs typeface="+mn-cs"/>
-              </a:defRPr>
-            </a:lvl1pPr>
-            <a:lvl2pPr marL="457200" algn="l" defTabSz="914400" rtl="0" eaLnBrk="1" latinLnBrk="0" hangingPunct="1">
-              <a:defRPr sz="1800" kern="1200">
-                <a:solidFill>
-                  <a:schemeClr val="tx1"/>
-                </a:solidFill>
-                <a:latin typeface="+mn-lt"/>
-                <a:ea typeface="+mn-ea"/>
-                <a:cs typeface="+mn-cs"/>
-              </a:defRPr>
-            </a:lvl2pPr>
-            <a:lvl3pPr marL="914400" algn="l" defTabSz="914400" rtl="0" eaLnBrk="1" latinLnBrk="0" hangingPunct="1">
-              <a:defRPr sz="1800" kern="1200">
-                <a:solidFill>
-                  <a:schemeClr val="tx1"/>
-                </a:solidFill>
-                <a:latin typeface="+mn-lt"/>
-                <a:ea typeface="+mn-ea"/>
-                <a:cs typeface="+mn-cs"/>
-              </a:defRPr>
-            </a:lvl3pPr>
-            <a:lvl4pPr marL="1371600" algn="l" defTabSz="914400" rtl="0" eaLnBrk="1" latinLnBrk="0" hangingPunct="1">
-              <a:defRPr sz="1800" kern="1200">
-                <a:solidFill>
-                  <a:schemeClr val="tx1"/>
-                </a:solidFill>
-                <a:latin typeface="+mn-lt"/>
-                <a:ea typeface="+mn-ea"/>
-                <a:cs typeface="+mn-cs"/>
-              </a:defRPr>
-            </a:lvl4pPr>
-            <a:lvl5pPr marL="1828800" algn="l" defTabSz="914400" rtl="0" eaLnBrk="1" latinLnBrk="0" hangingPunct="1">
-              <a:defRPr sz="1800" kern="1200">
-                <a:solidFill>
-                  <a:schemeClr val="tx1"/>
-                </a:solidFill>
-                <a:latin typeface="+mn-lt"/>
-                <a:ea typeface="+mn-ea"/>
-                <a:cs typeface="+mn-cs"/>
-              </a:defRPr>
-            </a:lvl5pPr>
-            <a:lvl6pPr marL="2286000" algn="l" defTabSz="914400" rtl="0" eaLnBrk="1" latinLnBrk="0" hangingPunct="1">
-              <a:defRPr sz="1800" kern="1200">
-                <a:solidFill>
-                  <a:schemeClr val="tx1"/>
-                </a:solidFill>
-                <a:latin typeface="+mn-lt"/>
-                <a:ea typeface="+mn-ea"/>
-                <a:cs typeface="+mn-cs"/>
-              </a:defRPr>
-            </a:lvl6pPr>
-            <a:lvl7pPr marL="2743200" algn="l" defTabSz="914400" rtl="0" eaLnBrk="1" latinLnBrk="0" hangingPunct="1">
-              <a:defRPr sz="1800" kern="1200">
-                <a:solidFill>
-                  <a:schemeClr val="tx1"/>
-                </a:solidFill>
-                <a:latin typeface="+mn-lt"/>
-                <a:ea typeface="+mn-ea"/>
-                <a:cs typeface="+mn-cs"/>
-              </a:defRPr>
-            </a:lvl7pPr>
-            <a:lvl8pPr marL="3200400" algn="l" defTabSz="914400" rtl="0" eaLnBrk="1" latinLnBrk="0" hangingPunct="1">
-              <a:defRPr sz="1800" kern="1200">
-                <a:solidFill>
-                  <a:schemeClr val="tx1"/>
-                </a:solidFill>
-                <a:latin typeface="+mn-lt"/>
-                <a:ea typeface="+mn-ea"/>
-                <a:cs typeface="+mn-cs"/>
-              </a:defRPr>
-            </a:lvl8pPr>
-            <a:lvl9pPr marL="3657600" algn="l" defTabSz="914400" rtl="0" eaLnBrk="1" latinLnBrk="0" hangingPunct="1">
-              <a:defRPr sz="1800" kern="1200">
-                <a:solidFill>
-                  <a:schemeClr val="tx1"/>
-                </a:solidFill>
-                <a:latin typeface="+mn-lt"/>
-                <a:ea typeface="+mn-ea"/>
-                <a:cs typeface="+mn-cs"/>
-              </a:defRPr>
-            </a:lvl9pPr>
-          </a:lstStyle>
-          <a:p>
-            <a:fld id="{760FBDFE-C587-4B4C-A407-44438C67B59E}" type="datetimeFigureOut">
-              <a:rPr lang="zh-CN" altLang="en-US" smtClean="0"/>
-              <a:pPr/>
-              <a:t>2025/5/16</a:t>
-            </a:fld>
-            <a:endParaRPr lang="zh-CN" altLang="en-US"/>
-          </a:p>
-        </p:txBody>
-      </p:sp>
-      <p:pic>
-        <p:nvPicPr>
-          <p:cNvPr id="12" name="图片 11" descr="未命名作品-4">
-            <a:extLst>
-              <a:ext uri="{FF2B5EF4-FFF2-40B4-BE49-F238E27FC236}">
-                <a16:creationId xmlns:a16="http://schemas.microsoft.com/office/drawing/2014/main" id="{AE37EDEE-1FFA-FF6D-B367-50AF1CCCD3BE}"/>
-              </a:ext>
-            </a:extLst>
-          </p:cNvPr>
-          <p:cNvPicPr>
-            <a:picLocks noChangeAspect="1"/>
-          </p:cNvPicPr>
-          <p:nvPr userDrawn="1"/>
-        </p:nvPicPr>
-        <p:blipFill>
-          <a:blip r:embed="rId2"/>
-          <a:srcRect l="45086" t="56111"/>
-          <a:stretch>
-            <a:fillRect/>
-          </a:stretch>
-        </p:blipFill>
-        <p:spPr>
-          <a:xfrm>
-            <a:off x="8398510" y="4842418"/>
-            <a:ext cx="3810635" cy="2030730"/>
-          </a:xfrm>
-          <a:prstGeom prst="rect">
-            <a:avLst/>
-          </a:prstGeom>
-        </p:spPr>
-      </p:pic>
       <p:pic>
         <p:nvPicPr>
           <p:cNvPr id="13" name="图片 12" descr="未命名作品-4">
             <a:extLst>
               <a:ext uri="{FF2B5EF4-FFF2-40B4-BE49-F238E27FC236}">
-                <a16:creationId xmlns:a16="http://schemas.microsoft.com/office/drawing/2014/main" id="{34CAD0E5-40CB-EFF0-FBE1-C2AE246C45C3}"/>
+                <a16:creationId xmlns:a16="http://schemas.microsoft.com/office/drawing/2014/main" id="{3A24BA4C-323F-2AD3-D20F-3C20DCCC9D23}"/>
               </a:ext>
             </a:extLst>
           </p:cNvPr>
@@ -2422,15 +2553,15 @@
         </p:nvPicPr>
         <p:blipFill>
           <a:blip r:embed="rId3"/>
-          <a:srcRect l="18917" t="33831" r="72589" b="52243"/>
+          <a:srcRect l="45086" t="56111"/>
           <a:stretch>
             <a:fillRect/>
           </a:stretch>
         </p:blipFill>
         <p:spPr>
-          <a:xfrm flipH="1" flipV="1">
-            <a:off x="176530" y="369478"/>
-            <a:ext cx="641350" cy="701040"/>
+          <a:xfrm>
+            <a:off x="7523480" y="4398645"/>
+            <a:ext cx="4686935" cy="2497455"/>
           </a:xfrm>
           <a:prstGeom prst="rect">
             <a:avLst/>
@@ -2439,10 +2570,10 @@
       </p:pic>
       <p:pic>
         <p:nvPicPr>
-          <p:cNvPr id="14" name="图片 13" descr="未命名作品-4">
+          <p:cNvPr id="23" name="图片 22" descr="未命名作品-4">
             <a:extLst>
               <a:ext uri="{FF2B5EF4-FFF2-40B4-BE49-F238E27FC236}">
-                <a16:creationId xmlns:a16="http://schemas.microsoft.com/office/drawing/2014/main" id="{E3F636B2-F89F-8970-C204-60775F62FF60}"/>
+                <a16:creationId xmlns:a16="http://schemas.microsoft.com/office/drawing/2014/main" id="{A65D7EFE-C75C-1ACA-3211-71EF4C0688D6}"/>
               </a:ext>
             </a:extLst>
           </p:cNvPr>
@@ -2452,16 +2583,16 @@
           <p:nvPr userDrawn="1"/>
         </p:nvPicPr>
         <p:blipFill>
-          <a:blip r:embed="rId2"/>
-          <a:srcRect l="45086" t="56111"/>
+          <a:blip r:embed="rId4"/>
+          <a:srcRect t="21912" r="39675"/>
           <a:stretch>
             <a:fillRect/>
           </a:stretch>
         </p:blipFill>
         <p:spPr>
           <a:xfrm>
-            <a:off x="8399780" y="4829810"/>
-            <a:ext cx="3810635" cy="2030730"/>
+            <a:off x="1270" y="3258820"/>
+            <a:ext cx="4173220" cy="3601720"/>
           </a:xfrm>
           <a:prstGeom prst="rect">
             <a:avLst/>
@@ -2470,10 +2601,10 @@
       </p:pic>
       <p:pic>
         <p:nvPicPr>
-          <p:cNvPr id="15" name="图片 14" descr="未命名作品-4">
+          <p:cNvPr id="25" name="图片 24" descr="未命名作品-4">
             <a:extLst>
               <a:ext uri="{FF2B5EF4-FFF2-40B4-BE49-F238E27FC236}">
-                <a16:creationId xmlns:a16="http://schemas.microsoft.com/office/drawing/2014/main" id="{EB10DB07-DF6C-F883-F861-462909FA244C}"/>
+                <a16:creationId xmlns:a16="http://schemas.microsoft.com/office/drawing/2014/main" id="{D31F3608-AE0A-3ECD-600A-73E1C458808D}"/>
               </a:ext>
             </a:extLst>
           </p:cNvPr>
@@ -2483,16 +2614,16 @@
           <p:nvPr userDrawn="1"/>
         </p:nvPicPr>
         <p:blipFill>
-          <a:blip r:embed="rId2"/>
-          <a:srcRect t="555" r="45198" b="57306"/>
+          <a:blip r:embed="rId4"/>
+          <a:srcRect t="21912" r="39675"/>
           <a:stretch>
             <a:fillRect/>
           </a:stretch>
         </p:blipFill>
         <p:spPr>
-          <a:xfrm rot="16200000">
-            <a:off x="-620395" y="4931410"/>
-            <a:ext cx="2550160" cy="1307465"/>
+          <a:xfrm flipH="1" flipV="1">
+            <a:off x="8600440" y="-14605"/>
+            <a:ext cx="3605530" cy="3112135"/>
           </a:xfrm>
           <a:prstGeom prst="rect">
             <a:avLst/>
@@ -2501,10 +2632,41 @@
       </p:pic>
       <p:pic>
         <p:nvPicPr>
-          <p:cNvPr id="16" name="图片 15" descr="未命名作品-4">
+          <p:cNvPr id="26" name="图片 25">
             <a:extLst>
               <a:ext uri="{FF2B5EF4-FFF2-40B4-BE49-F238E27FC236}">
-                <a16:creationId xmlns:a16="http://schemas.microsoft.com/office/drawing/2014/main" id="{7F520ABF-130F-BF6E-0136-B6A961F1E081}"/>
+                <a16:creationId xmlns:a16="http://schemas.microsoft.com/office/drawing/2014/main" id="{4D18672A-BAEB-2ACE-C6C9-7A654F24A6E7}"/>
+              </a:ext>
+            </a:extLst>
+          </p:cNvPr>
+          <p:cNvPicPr>
+            <a:picLocks noChangeAspect="1"/>
+          </p:cNvPicPr>
+          <p:nvPr userDrawn="1"/>
+        </p:nvPicPr>
+        <p:blipFill>
+          <a:blip r:embed="rId5"/>
+          <a:srcRect l="84238" t="42030" r="86" b="41977"/>
+          <a:stretch>
+            <a:fillRect/>
+          </a:stretch>
+        </p:blipFill>
+        <p:spPr>
+          <a:xfrm rot="3720000" flipH="1">
+            <a:off x="855980" y="2115820"/>
+            <a:ext cx="769620" cy="803275"/>
+          </a:xfrm>
+          <a:prstGeom prst="rect">
+            <a:avLst/>
+          </a:prstGeom>
+        </p:spPr>
+      </p:pic>
+      <p:pic>
+        <p:nvPicPr>
+          <p:cNvPr id="27" name="图片 26" descr="未命名作品-4">
+            <a:extLst>
+              <a:ext uri="{FF2B5EF4-FFF2-40B4-BE49-F238E27FC236}">
+                <a16:creationId xmlns:a16="http://schemas.microsoft.com/office/drawing/2014/main" id="{95AE3802-86B6-CE8D-D177-A1E0455FE26F}"/>
               </a:ext>
             </a:extLst>
           </p:cNvPr>
@@ -2515,31 +2677,196 @@
         </p:nvPicPr>
         <p:blipFill>
           <a:blip r:embed="rId3"/>
-          <a:srcRect l="18917" t="33831" r="72589" b="52243"/>
+          <a:srcRect t="555" r="45198" b="57306"/>
           <a:stretch>
             <a:fillRect/>
           </a:stretch>
         </p:blipFill>
         <p:spPr>
-          <a:xfrm flipH="1" flipV="1">
-            <a:off x="177800" y="356870"/>
-            <a:ext cx="641350" cy="701040"/>
+          <a:xfrm>
+            <a:off x="0" y="0"/>
+            <a:ext cx="2903220" cy="1488440"/>
           </a:xfrm>
           <a:prstGeom prst="rect">
             <a:avLst/>
           </a:prstGeom>
         </p:spPr>
       </p:pic>
+      <p:pic>
+        <p:nvPicPr>
+          <p:cNvPr id="28" name="图片 27">
+            <a:extLst>
+              <a:ext uri="{FF2B5EF4-FFF2-40B4-BE49-F238E27FC236}">
+                <a16:creationId xmlns:a16="http://schemas.microsoft.com/office/drawing/2014/main" id="{99B0661C-081D-95CB-D619-2E21E3572176}"/>
+              </a:ext>
+            </a:extLst>
+          </p:cNvPr>
+          <p:cNvPicPr>
+            <a:picLocks noChangeAspect="1"/>
+          </p:cNvPicPr>
+          <p:nvPr userDrawn="1"/>
+        </p:nvPicPr>
+        <p:blipFill rotWithShape="1">
+          <a:blip r:embed="rId6" cstate="print">
+            <a:clrChange>
+              <a:clrFrom>
+                <a:srgbClr val="FFFFFF"/>
+              </a:clrFrom>
+              <a:clrTo>
+                <a:srgbClr val="FFFFFF">
+                  <a:alpha val="0"/>
+                </a:srgbClr>
+              </a:clrTo>
+            </a:clrChange>
+            <a:extLst>
+              <a:ext uri="{28A0092B-C50C-407E-A947-70E740481C1C}">
+                <a14:useLocalDpi xmlns:a14="http://schemas.microsoft.com/office/drawing/2010/main" val="0"/>
+              </a:ext>
+            </a:extLst>
+          </a:blip>
+          <a:srcRect l="51467" t="21699" r="33662" b="59048"/>
+          <a:stretch>
+            <a:fillRect/>
+          </a:stretch>
+        </p:blipFill>
+        <p:spPr>
+          <a:xfrm>
+            <a:off x="2313940" y="1361440"/>
+            <a:ext cx="683895" cy="549910"/>
+          </a:xfrm>
+          <a:prstGeom prst="rect">
+            <a:avLst/>
+          </a:prstGeom>
+        </p:spPr>
+      </p:pic>
+      <p:sp>
+        <p:nvSpPr>
+          <p:cNvPr id="29" name="标题 28">
+            <a:extLst>
+              <a:ext uri="{FF2B5EF4-FFF2-40B4-BE49-F238E27FC236}">
+                <a16:creationId xmlns:a16="http://schemas.microsoft.com/office/drawing/2014/main" id="{5B08990A-6FA9-146C-1840-76659A922906}"/>
+              </a:ext>
+            </a:extLst>
+          </p:cNvPr>
+          <p:cNvSpPr>
+            <a:spLocks noGrp="1"/>
+          </p:cNvSpPr>
+          <p:nvPr>
+            <p:ph type="title"/>
+          </p:nvPr>
+        </p:nvSpPr>
+        <p:spPr>
+          <a:xfrm>
+            <a:off x="3094990" y="1521296"/>
+            <a:ext cx="6329045" cy="896227"/>
+          </a:xfrm>
+        </p:spPr>
+        <p:txBody>
+          <a:bodyPr/>
+          <a:lstStyle/>
+          <a:p>
+            <a:r>
+              <a:rPr kumimoji="1" lang="zh-CN" altLang="en-US" dirty="0"/>
+              <a:t>单击此处编辑母版标题样式</a:t>
+            </a:r>
+          </a:p>
+        </p:txBody>
+      </p:sp>
+      <p:sp>
+        <p:nvSpPr>
+          <p:cNvPr id="31" name="内容占位符 30">
+            <a:extLst>
+              <a:ext uri="{FF2B5EF4-FFF2-40B4-BE49-F238E27FC236}">
+                <a16:creationId xmlns:a16="http://schemas.microsoft.com/office/drawing/2014/main" id="{82D4D11B-0FFE-5ABF-F7D4-40DC9760A2E9}"/>
+              </a:ext>
+            </a:extLst>
+          </p:cNvPr>
+          <p:cNvSpPr>
+            <a:spLocks noGrp="1"/>
+          </p:cNvSpPr>
+          <p:nvPr>
+            <p:ph sz="quarter" idx="10"/>
+          </p:nvPr>
+        </p:nvSpPr>
+        <p:spPr>
+          <a:xfrm>
+            <a:off x="3094354" y="2630561"/>
+            <a:ext cx="6329045" cy="1731889"/>
+          </a:xfrm>
+        </p:spPr>
+        <p:txBody>
+          <a:bodyPr>
+            <a:normAutofit/>
+          </a:bodyPr>
+          <a:lstStyle>
+            <a:lvl1pPr>
+              <a:defRPr sz="1200"/>
+            </a:lvl1pPr>
+            <a:lvl2pPr>
+              <a:defRPr sz="1200"/>
+            </a:lvl2pPr>
+            <a:lvl3pPr>
+              <a:defRPr sz="1200"/>
+            </a:lvl3pPr>
+            <a:lvl4pPr>
+              <a:defRPr sz="1200"/>
+            </a:lvl4pPr>
+            <a:lvl5pPr>
+              <a:defRPr sz="1200"/>
+            </a:lvl5pPr>
+          </a:lstStyle>
+          <a:p>
+            <a:pPr lvl="0"/>
+            <a:r>
+              <a:rPr kumimoji="1" lang="zh-CN" altLang="en-US" dirty="0"/>
+              <a:t>单击此处编辑母版文本样式</a:t>
+            </a:r>
+          </a:p>
+          <a:p>
+            <a:pPr lvl="1"/>
+            <a:r>
+              <a:rPr kumimoji="1" lang="zh-CN" altLang="en-US" dirty="0"/>
+              <a:t>二级</a:t>
+            </a:r>
+          </a:p>
+          <a:p>
+            <a:pPr lvl="2"/>
+            <a:r>
+              <a:rPr kumimoji="1" lang="zh-CN" altLang="en-US" dirty="0"/>
+              <a:t>三级</a:t>
+            </a:r>
+          </a:p>
+          <a:p>
+            <a:pPr lvl="3"/>
+            <a:r>
+              <a:rPr kumimoji="1" lang="zh-CN" altLang="en-US" dirty="0"/>
+              <a:t>四级</a:t>
+            </a:r>
+          </a:p>
+          <a:p>
+            <a:pPr lvl="4"/>
+            <a:r>
+              <a:rPr kumimoji="1" lang="zh-CN" altLang="en-US" dirty="0"/>
+              <a:t>五级</a:t>
+            </a:r>
+          </a:p>
+        </p:txBody>
+      </p:sp>
     </p:spTree>
+    <p:extLst>
+      <p:ext uri="{BB962C8B-B14F-4D97-AF65-F5344CB8AC3E}">
+        <p14:creationId xmlns:p14="http://schemas.microsoft.com/office/powerpoint/2010/main" val="3000615908"/>
+      </p:ext>
+    </p:extLst>
   </p:cSld>
   <p:clrMapOvr>
     <a:masterClrMapping/>
   </p:clrMapOvr>
-  <mc:AlternateContent xmlns:mc="http://schemas.openxmlformats.org/markup-compatibility/2006" xmlns:p14="http://schemas.microsoft.com/office/powerpoint/2010/main">
-    <mc:Choice Requires="p14">
+  <mc:AlternateContent xmlns:mc="http://schemas.openxmlformats.org/markup-compatibility/2006">
+    <mc:Choice xmlns:p14="http://schemas.microsoft.com/office/powerpoint/2010/main" Requires="p14">
       <p:transition spd="slow" p14:dur="2000" advTm="3000"/>
     </mc:Choice>
-    <mc:Fallback xmlns="">
+    <mc:Fallback>
       <p:transition spd="slow" advTm="3000"/>
     </mc:Fallback>
   </mc:AlternateContent>
@@ -2795,7 +3122,8 @@
   <p:sldLayoutIdLst>
     <p:sldLayoutId id="2147483649" r:id="rId1"/>
     <p:sldLayoutId id="2147483650" r:id="rId2"/>
-    <p:sldLayoutId id="2147483652" r:id="rId3"/>
+    <p:sldLayoutId id="2147483653" r:id="rId3"/>
+    <p:sldLayoutId id="2147483654" r:id="rId4"/>
   </p:sldLayoutIdLst>
   <mc:AlternateContent xmlns:mc="http://schemas.openxmlformats.org/markup-compatibility/2006" xmlns:p14="http://schemas.microsoft.com/office/powerpoint/2010/main">
     <mc:Choice Requires="p14">
@@ -3766,6 +4094,9 @@
           <a:prstGeom prst="rect">
             <a:avLst/>
           </a:prstGeom>
+          <a:ln>
+            <a:noFill/>
+          </a:ln>
         </p:spPr>
       </p:pic>
       <p:pic>
@@ -17739,7 +18070,7 @@
         </p:nvSpPr>
         <p:spPr>
           <a:xfrm>
-            <a:off x="-18097" y="305615"/>
+            <a:off x="21664" y="-17145"/>
             <a:ext cx="12209145" cy="6875145"/>
           </a:xfrm>
           <a:prstGeom prst="rect">
@@ -23506,7 +23837,7 @@
         </p:nvSpPr>
         <p:spPr>
           <a:xfrm>
-            <a:off x="-18097" y="248807"/>
+            <a:off x="-18097" y="-14239"/>
             <a:ext cx="12209145" cy="6875145"/>
           </a:xfrm>
           <a:prstGeom prst="rect">

--- a/tests/testfiles/黄色小清新文艺工作总结ppt模板.pptx
+++ b/tests/testfiles/黄色小清新文艺工作总结ppt模板.pptx
@@ -229,7 +229,7 @@
           <a:p>
             <a:fld id="{0F9B84EA-7D68-4D60-9CB1-D50884785D1C}" type="datetimeFigureOut">
               <a:rPr lang="zh-CN" altLang="en-US" smtClean="0"/>
-              <a:t>2025/5/16</a:t>
+              <a:t>2025/5/21</a:t>
             </a:fld>
             <a:endParaRPr lang="zh-CN" altLang="en-US"/>
           </a:p>
@@ -394,7 +394,7 @@
           <a:p>
             <a:fld id="{D6C8D182-E4C8-4120-9249-FC9774456FFA}" type="datetimeFigureOut">
               <a:rPr lang="zh-CN" altLang="en-US" smtClean="0"/>
-              <a:t>2025/5/16</a:t>
+              <a:t>2025/5/21</a:t>
             </a:fld>
             <a:endParaRPr lang="zh-CN" altLang="en-US"/>
           </a:p>
@@ -872,7 +872,7 @@
           <a:p>
             <a:fld id="{760FBDFE-C587-4B4C-A407-44438C67B59E}" type="datetimeFigureOut">
               <a:rPr lang="zh-CN" altLang="en-US" smtClean="0"/>
-              <a:t>2025/5/16</a:t>
+              <a:t>2025/5/21</a:t>
             </a:fld>
             <a:endParaRPr lang="zh-CN" altLang="en-US"/>
           </a:p>
@@ -1420,7 +1420,7 @@
           <a:p>
             <a:fld id="{760FBDFE-C587-4B4C-A407-44438C67B59E}" type="datetimeFigureOut">
               <a:rPr lang="zh-CN" altLang="en-US" smtClean="0"/>
-              <a:t>2025/5/16</a:t>
+              <a:t>2025/5/21</a:t>
             </a:fld>
             <a:endParaRPr lang="zh-CN" altLang="en-US"/>
           </a:p>
@@ -1979,7 +1979,7 @@
           <a:p>
             <a:fld id="{760FBDFE-C587-4B4C-A407-44438C67B59E}" type="datetimeFigureOut">
               <a:rPr lang="zh-CN" altLang="en-US" smtClean="0"/>
-              <a:t>2025/5/16</a:t>
+              <a:t>2025/5/21</a:t>
             </a:fld>
             <a:endParaRPr lang="zh-CN" altLang="en-US"/>
           </a:p>
@@ -2389,11 +2389,11 @@
   <p:clrMapOvr>
     <a:masterClrMapping/>
   </p:clrMapOvr>
-  <mc:AlternateContent xmlns:mc="http://schemas.openxmlformats.org/markup-compatibility/2006">
-    <mc:Choice xmlns:p14="http://schemas.microsoft.com/office/powerpoint/2010/main" Requires="p14">
+  <mc:AlternateContent xmlns:mc="http://schemas.openxmlformats.org/markup-compatibility/2006" xmlns:p14="http://schemas.microsoft.com/office/powerpoint/2010/main">
+    <mc:Choice Requires="p14">
       <p:transition spd="slow" p14:dur="2000" advTm="3000"/>
     </mc:Choice>
-    <mc:Fallback>
+    <mc:Fallback xmlns="">
       <p:transition spd="slow" advTm="3000"/>
     </mc:Fallback>
   </mc:AlternateContent>
@@ -2862,11 +2862,11 @@
   <p:clrMapOvr>
     <a:masterClrMapping/>
   </p:clrMapOvr>
-  <mc:AlternateContent xmlns:mc="http://schemas.openxmlformats.org/markup-compatibility/2006">
-    <mc:Choice xmlns:p14="http://schemas.microsoft.com/office/powerpoint/2010/main" Requires="p14">
+  <mc:AlternateContent xmlns:mc="http://schemas.openxmlformats.org/markup-compatibility/2006" xmlns:p14="http://schemas.microsoft.com/office/powerpoint/2010/main">
+    <mc:Choice Requires="p14">
       <p:transition spd="slow" p14:dur="2000" advTm="3000"/>
     </mc:Choice>
-    <mc:Fallback>
+    <mc:Fallback xmlns="">
       <p:transition spd="slow" advTm="3000"/>
     </mc:Fallback>
   </mc:AlternateContent>
@@ -3028,7 +3028,7 @@
           <a:p>
             <a:fld id="{760FBDFE-C587-4B4C-A407-44438C67B59E}" type="datetimeFigureOut">
               <a:rPr lang="zh-CN" altLang="en-US" smtClean="0"/>
-              <a:t>2025/5/16</a:t>
+              <a:t>2025/5/21</a:t>
             </a:fld>
             <a:endParaRPr lang="zh-CN" altLang="en-US"/>
           </a:p>
@@ -16100,7 +16100,7 @@
           <a:p>
             <a:pPr algn="dist"/>
             <a:r>
-              <a:rPr lang="zh-CN" altLang="en-US" sz="6000">
+              <a:rPr lang="zh-CN" altLang="en-US" sz="6000" dirty="0">
                 <a:solidFill>
                   <a:schemeClr val="tx1">
                     <a:lumMod val="85000"/>
@@ -17830,6 +17830,9 @@
           <a:prstGeom prst="rect">
             <a:avLst/>
           </a:prstGeom>
+          <a:ln>
+            <a:noFill/>
+          </a:ln>
         </p:spPr>
       </p:pic>
       <p:pic>
@@ -17855,6 +17858,9 @@
           <a:prstGeom prst="rect">
             <a:avLst/>
           </a:prstGeom>
+          <a:ln>
+            <a:noFill/>
+          </a:ln>
         </p:spPr>
       </p:pic>
     </p:spTree>
@@ -18070,7 +18076,7 @@
         </p:nvSpPr>
         <p:spPr>
           <a:xfrm>
-            <a:off x="21664" y="-17145"/>
+            <a:off x="17644" y="-1997"/>
             <a:ext cx="12209145" cy="6875145"/>
           </a:xfrm>
           <a:prstGeom prst="rect">
